--- a/CA_IMR_Bias_vFINAL.pptx
+++ b/CA_IMR_Bias_vFINAL.pptx
@@ -155,9 +155,126 @@
 <file path=ppt/revisionInfo.xml><?xml version="1.0" encoding="utf-8"?>
 <p1510:revInfo xmlns:a="http://schemas.openxmlformats.org/drawingml/2006/main" xmlns:r="http://schemas.openxmlformats.org/officeDocument/2006/relationships" xmlns:p1510="http://schemas.microsoft.com/office/powerpoint/2015/10/main">
   <p1510:revLst>
-    <p1510:client id="{A6198C8C-5F71-44D8-8961-EC57663B8004}" v="1" dt="2020-04-10T21:17:12.372"/>
+    <p1510:client id="{A460D43E-7D87-4784-959B-3483E53EAACC}" v="5" dt="2020-04-14T15:45:06.860"/>
   </p1510:revLst>
 </p1510:revInfo>
+</file>
+
+<file path=ppt/changesInfos/changesInfo1.xml><?xml version="1.0" encoding="utf-8"?>
+<pc:chgInfo xmlns:a="http://schemas.openxmlformats.org/drawingml/2006/main" xmlns:r="http://schemas.openxmlformats.org/officeDocument/2006/relationships" xmlns:ac="http://schemas.microsoft.com/office/drawing/2013/main/command" xmlns:pc="http://schemas.microsoft.com/office/powerpoint/2013/main/command">
+  <pc:docChgLst>
+    <pc:chgData name="Morgan Sell" userId="124a697f48a0248c" providerId="LiveId" clId="{A460D43E-7D87-4784-959B-3483E53EAACC}"/>
+    <pc:docChg chg="custSel modSld">
+      <pc:chgData name="Morgan Sell" userId="124a697f48a0248c" providerId="LiveId" clId="{A460D43E-7D87-4784-959B-3483E53EAACC}" dt="2020-04-14T15:47:20.557" v="47" actId="1076"/>
+      <pc:docMkLst>
+        <pc:docMk/>
+      </pc:docMkLst>
+      <pc:sldChg chg="addSp delSp modSp mod">
+        <pc:chgData name="Morgan Sell" userId="124a697f48a0248c" providerId="LiveId" clId="{A460D43E-7D87-4784-959B-3483E53EAACC}" dt="2020-04-14T15:47:20.557" v="47" actId="1076"/>
+        <pc:sldMkLst>
+          <pc:docMk/>
+          <pc:sldMk cId="475358064" sldId="262"/>
+        </pc:sldMkLst>
+        <pc:spChg chg="mod">
+          <ac:chgData name="Morgan Sell" userId="124a697f48a0248c" providerId="LiveId" clId="{A460D43E-7D87-4784-959B-3483E53EAACC}" dt="2020-04-14T15:40:48.052" v="25" actId="1076"/>
+          <ac:spMkLst>
+            <pc:docMk/>
+            <pc:sldMk cId="475358064" sldId="262"/>
+            <ac:spMk id="2" creationId="{CCCCCA38-6A4D-4FA7-88C4-E5506C00BD2D}"/>
+          </ac:spMkLst>
+        </pc:spChg>
+        <pc:spChg chg="add del mod">
+          <ac:chgData name="Morgan Sell" userId="124a697f48a0248c" providerId="LiveId" clId="{A460D43E-7D87-4784-959B-3483E53EAACC}" dt="2020-04-14T15:38:13.259" v="2" actId="931"/>
+          <ac:spMkLst>
+            <pc:docMk/>
+            <pc:sldMk cId="475358064" sldId="262"/>
+            <ac:spMk id="6" creationId="{4491E015-80E3-4F0E-8660-6FC8356DD612}"/>
+          </ac:spMkLst>
+        </pc:spChg>
+        <pc:spChg chg="mod">
+          <ac:chgData name="Morgan Sell" userId="124a697f48a0248c" providerId="LiveId" clId="{A460D43E-7D87-4784-959B-3483E53EAACC}" dt="2020-04-14T15:39:27.368" v="10" actId="1076"/>
+          <ac:spMkLst>
+            <pc:docMk/>
+            <pc:sldMk cId="475358064" sldId="262"/>
+            <ac:spMk id="10" creationId="{400DC4C6-1E94-411A-A59C-F905FE7AB21A}"/>
+          </ac:spMkLst>
+        </pc:spChg>
+        <pc:spChg chg="add mod">
+          <ac:chgData name="Morgan Sell" userId="124a697f48a0248c" providerId="LiveId" clId="{A460D43E-7D87-4784-959B-3483E53EAACC}" dt="2020-04-14T15:40:55.565" v="27" actId="1076"/>
+          <ac:spMkLst>
+            <pc:docMk/>
+            <pc:sldMk cId="475358064" sldId="262"/>
+            <ac:spMk id="14" creationId="{24FD3DF9-63C6-43FB-ACB1-FD31AB30B8A6}"/>
+          </ac:spMkLst>
+        </pc:spChg>
+        <pc:spChg chg="mod">
+          <ac:chgData name="Morgan Sell" userId="124a697f48a0248c" providerId="LiveId" clId="{A460D43E-7D87-4784-959B-3483E53EAACC}" dt="2020-04-14T15:41:36.274" v="35" actId="20577"/>
+          <ac:spMkLst>
+            <pc:docMk/>
+            <pc:sldMk cId="475358064" sldId="262"/>
+            <ac:spMk id="16" creationId="{C86E81A3-CB36-4CBE-B729-D8D5AF9D78FA}"/>
+          </ac:spMkLst>
+        </pc:spChg>
+        <pc:spChg chg="mod">
+          <ac:chgData name="Morgan Sell" userId="124a697f48a0248c" providerId="LiveId" clId="{A460D43E-7D87-4784-959B-3483E53EAACC}" dt="2020-04-14T15:42:02.164" v="38" actId="6549"/>
+          <ac:spMkLst>
+            <pc:docMk/>
+            <pc:sldMk cId="475358064" sldId="262"/>
+            <ac:spMk id="17" creationId="{6B3F3DCD-215E-48D2-B49B-9D05484CC2D0}"/>
+          </ac:spMkLst>
+        </pc:spChg>
+        <pc:spChg chg="add del mod">
+          <ac:chgData name="Morgan Sell" userId="124a697f48a0248c" providerId="LiveId" clId="{A460D43E-7D87-4784-959B-3483E53EAACC}" dt="2020-04-14T15:45:06.860" v="40" actId="931"/>
+          <ac:spMkLst>
+            <pc:docMk/>
+            <pc:sldMk cId="475358064" sldId="262"/>
+            <ac:spMk id="24" creationId="{5FD509E5-3A86-49AD-B2D1-81433C923F31}"/>
+          </ac:spMkLst>
+        </pc:spChg>
+        <pc:picChg chg="add del mod ord">
+          <ac:chgData name="Morgan Sell" userId="124a697f48a0248c" providerId="LiveId" clId="{A460D43E-7D87-4784-959B-3483E53EAACC}" dt="2020-04-14T15:45:01.588" v="39" actId="478"/>
+          <ac:picMkLst>
+            <pc:docMk/>
+            <pc:sldMk cId="475358064" sldId="262"/>
+            <ac:picMk id="8" creationId="{B243BE96-9926-4467-A9CC-3D348AE3FDD9}"/>
+          </ac:picMkLst>
+        </pc:picChg>
+        <pc:picChg chg="del">
+          <ac:chgData name="Morgan Sell" userId="124a697f48a0248c" providerId="LiveId" clId="{A460D43E-7D87-4784-959B-3483E53EAACC}" dt="2020-04-14T15:37:30.488" v="1" actId="478"/>
+          <ac:picMkLst>
+            <pc:docMk/>
+            <pc:sldMk cId="475358064" sldId="262"/>
+            <ac:picMk id="9" creationId="{01340C3A-9897-4697-A158-0414E45DF795}"/>
+          </ac:picMkLst>
+        </pc:picChg>
+        <pc:picChg chg="add mod ord">
+          <ac:chgData name="Morgan Sell" userId="124a697f48a0248c" providerId="LiveId" clId="{A460D43E-7D87-4784-959B-3483E53EAACC}" dt="2020-04-14T15:47:20.557" v="47" actId="1076"/>
+          <ac:picMkLst>
+            <pc:docMk/>
+            <pc:sldMk cId="475358064" sldId="262"/>
+            <ac:picMk id="26" creationId="{86BD275D-97DC-4AD3-83B0-7954E04299CA}"/>
+          </ac:picMkLst>
+        </pc:picChg>
+        <pc:cxnChg chg="mod">
+          <ac:chgData name="Morgan Sell" userId="124a697f48a0248c" providerId="LiveId" clId="{A460D43E-7D87-4784-959B-3483E53EAACC}" dt="2020-04-14T15:40:36.130" v="24" actId="14100"/>
+          <ac:cxnSpMkLst>
+            <pc:docMk/>
+            <pc:sldMk cId="475358064" sldId="262"/>
+            <ac:cxnSpMk id="11" creationId="{73779C30-0697-40B6-9F22-09FE7D0CBF4C}"/>
+          </ac:cxnSpMkLst>
+        </pc:cxnChg>
+        <pc:cxnChg chg="add mod">
+          <ac:chgData name="Morgan Sell" userId="124a697f48a0248c" providerId="LiveId" clId="{A460D43E-7D87-4784-959B-3483E53EAACC}" dt="2020-04-14T15:41:04.778" v="29" actId="14100"/>
+          <ac:cxnSpMkLst>
+            <pc:docMk/>
+            <pc:sldMk cId="475358064" sldId="262"/>
+            <ac:cxnSpMk id="18" creationId="{97CC7119-C6BA-4EAB-9641-8EED7FCFF1D6}"/>
+          </ac:cxnSpMkLst>
+        </pc:cxnChg>
+      </pc:sldChg>
+    </pc:docChg>
+  </pc:docChgLst>
+</pc:chgInfo>
 </file>
 
 <file path=ppt/notesMasters/notesMaster1.xml><?xml version="1.0" encoding="utf-8"?>
@@ -242,7 +359,7 @@
           <a:p>
             <a:fld id="{5291DC29-CC4B-42D8-BAA0-76D5CB47A18C}" type="datetimeFigureOut">
               <a:rPr lang="en-US" smtClean="0"/>
-              <a:t>4/10/2020</a:t>
+              <a:t>4/14/2020</a:t>
             </a:fld>
             <a:endParaRPr lang="en-US" dirty="0"/>
           </a:p>
@@ -1142,7 +1259,7 @@
           <a:p>
             <a:fld id="{18DCCD61-643D-44A5-A450-3A42A50CBC1E}" type="datetimeFigureOut">
               <a:rPr lang="en-US" smtClean="0"/>
-              <a:t>4/10/2020</a:t>
+              <a:t>4/14/2020</a:t>
             </a:fld>
             <a:endParaRPr lang="en-US" dirty="0"/>
           </a:p>
@@ -1417,7 +1534,7 @@
           <a:p>
             <a:fld id="{18DCCD61-643D-44A5-A450-3A42A50CBC1E}" type="datetimeFigureOut">
               <a:rPr lang="en-US" smtClean="0"/>
-              <a:t>4/10/2020</a:t>
+              <a:t>4/14/2020</a:t>
             </a:fld>
             <a:endParaRPr lang="en-US" dirty="0"/>
           </a:p>
@@ -1669,7 +1786,7 @@
           <a:p>
             <a:fld id="{18DCCD61-643D-44A5-A450-3A42A50CBC1E}" type="datetimeFigureOut">
               <a:rPr lang="en-US" smtClean="0"/>
-              <a:t>4/10/2020</a:t>
+              <a:t>4/14/2020</a:t>
             </a:fld>
             <a:endParaRPr lang="en-US" dirty="0"/>
           </a:p>
@@ -1837,7 +1954,7 @@
           <a:p>
             <a:fld id="{18DCCD61-643D-44A5-A450-3A42A50CBC1E}" type="datetimeFigureOut">
               <a:rPr lang="en-US" smtClean="0"/>
-              <a:t>4/10/2020</a:t>
+              <a:t>4/14/2020</a:t>
             </a:fld>
             <a:endParaRPr lang="en-US" dirty="0"/>
           </a:p>
@@ -2015,7 +2132,7 @@
           <a:p>
             <a:fld id="{18DCCD61-643D-44A5-A450-3A42A50CBC1E}" type="datetimeFigureOut">
               <a:rPr lang="en-US" smtClean="0"/>
-              <a:t>4/10/2020</a:t>
+              <a:t>4/14/2020</a:t>
             </a:fld>
             <a:endParaRPr lang="en-US" dirty="0"/>
           </a:p>
@@ -2597,7 +2714,7 @@
           <a:p>
             <a:fld id="{18DCCD61-643D-44A5-A450-3A42A50CBC1E}" type="datetimeFigureOut">
               <a:rPr lang="en-US" smtClean="0"/>
-              <a:t>4/10/2020</a:t>
+              <a:t>4/14/2020</a:t>
             </a:fld>
             <a:endParaRPr lang="en-US" dirty="0"/>
           </a:p>
@@ -2765,7 +2882,7 @@
           <a:p>
             <a:fld id="{18DCCD61-643D-44A5-A450-3A42A50CBC1E}" type="datetimeFigureOut">
               <a:rPr lang="en-US" smtClean="0"/>
-              <a:t>4/10/2020</a:t>
+              <a:t>4/14/2020</a:t>
             </a:fld>
             <a:endParaRPr lang="en-US" dirty="0"/>
           </a:p>
@@ -3010,7 +3127,7 @@
           <a:p>
             <a:fld id="{18DCCD61-643D-44A5-A450-3A42A50CBC1E}" type="datetimeFigureOut">
               <a:rPr lang="en-US" smtClean="0"/>
-              <a:t>4/10/2020</a:t>
+              <a:t>4/14/2020</a:t>
             </a:fld>
             <a:endParaRPr lang="en-US" dirty="0"/>
           </a:p>
@@ -3295,7 +3412,7 @@
           <a:p>
             <a:fld id="{18DCCD61-643D-44A5-A450-3A42A50CBC1E}" type="datetimeFigureOut">
               <a:rPr lang="en-US" smtClean="0"/>
-              <a:t>4/10/2020</a:t>
+              <a:t>4/14/2020</a:t>
             </a:fld>
             <a:endParaRPr lang="en-US" dirty="0"/>
           </a:p>
@@ -3714,7 +3831,7 @@
           <a:p>
             <a:fld id="{18DCCD61-643D-44A5-A450-3A42A50CBC1E}" type="datetimeFigureOut">
               <a:rPr lang="en-US" smtClean="0"/>
-              <a:t>4/10/2020</a:t>
+              <a:t>4/14/2020</a:t>
             </a:fld>
             <a:endParaRPr lang="en-US" dirty="0"/>
           </a:p>
@@ -3831,7 +3948,7 @@
           <a:p>
             <a:fld id="{18DCCD61-643D-44A5-A450-3A42A50CBC1E}" type="datetimeFigureOut">
               <a:rPr lang="en-US" smtClean="0"/>
-              <a:t>4/10/2020</a:t>
+              <a:t>4/14/2020</a:t>
             </a:fld>
             <a:endParaRPr lang="en-US" dirty="0"/>
           </a:p>
@@ -4333,7 +4450,7 @@
           <a:p>
             <a:fld id="{18DCCD61-643D-44A5-A450-3A42A50CBC1E}" type="datetimeFigureOut">
               <a:rPr lang="en-US" smtClean="0"/>
-              <a:t>4/10/2020</a:t>
+              <a:t>4/14/2020</a:t>
             </a:fld>
             <a:endParaRPr lang="en-US" dirty="0"/>
           </a:p>
@@ -6302,10 +6419,10 @@
       </p:grpSpPr>
       <p:pic>
         <p:nvPicPr>
-          <p:cNvPr id="9" name="Content Placeholder 8" descr="A close up of a device&#10;&#10;Description automatically generated">
+          <p:cNvPr id="26" name="Content Placeholder 25" descr="A close up of a device&#10;&#10;Description automatically generated">
             <a:extLst>
               <a:ext uri="{FF2B5EF4-FFF2-40B4-BE49-F238E27FC236}">
-                <a16:creationId xmlns:a16="http://schemas.microsoft.com/office/drawing/2014/main" id="{01340C3A-9897-4697-A158-0414E45DF795}"/>
+                <a16:creationId xmlns:a16="http://schemas.microsoft.com/office/drawing/2014/main" id="{86BD275D-97DC-4AD3-83B0-7954E04299CA}"/>
               </a:ext>
             </a:extLst>
           </p:cNvPr>
@@ -6330,8 +6447,8 @@
         </p:blipFill>
         <p:spPr>
           <a:xfrm>
-            <a:off x="309106" y="2406022"/>
-            <a:ext cx="8412413" cy="3505172"/>
+            <a:off x="250726" y="2296830"/>
+            <a:ext cx="8642546" cy="3601061"/>
           </a:xfrm>
         </p:spPr>
       </p:pic>
@@ -6376,7 +6493,7 @@
         </p:nvSpPr>
         <p:spPr>
           <a:xfrm>
-            <a:off x="309106" y="1296699"/>
+            <a:off x="309106" y="1176753"/>
             <a:ext cx="8525787" cy="1069514"/>
           </a:xfrm>
         </p:spPr>
@@ -6414,7 +6531,7 @@
             </a:r>
             <a:r>
               <a:rPr lang="en-US" sz="1400" dirty="0"/>
-              <a:t>: Child’s expected “overturn rate” ≥ Expected “overturn rate” of patients who are 11 years and older</a:t>
+              <a:t>: Child’s expected “overturn rate” ≠ Expected “overturn rate” of patients who are 11 years and older</a:t>
             </a:r>
             <a:endParaRPr lang="en-US" sz="1800" baseline="-25000" dirty="0"/>
           </a:p>
@@ -6434,7 +6551,7 @@
         </p:nvSpPr>
         <p:spPr>
           <a:xfrm>
-            <a:off x="6640951" y="5186213"/>
+            <a:off x="6681988" y="5158331"/>
             <a:ext cx="720080" cy="688997"/>
           </a:xfrm>
           <a:prstGeom prst="ellipse">
@@ -6483,13 +6600,14 @@
           </p:cNvPr>
           <p:cNvCxnSpPr>
             <a:cxnSpLocks/>
+            <a:stCxn id="16" idx="3"/>
           </p:cNvCxnSpPr>
           <p:nvPr/>
         </p:nvCxnSpPr>
         <p:spPr>
-          <a:xfrm flipH="1">
-            <a:off x="7252033" y="4970638"/>
-            <a:ext cx="326594" cy="298910"/>
+          <a:xfrm flipV="1">
+            <a:off x="5428206" y="5681249"/>
+            <a:ext cx="1212745" cy="518064"/>
           </a:xfrm>
           <a:prstGeom prst="straightConnector1">
             <a:avLst/>
@@ -6530,7 +6648,7 @@
         </p:nvSpPr>
         <p:spPr>
           <a:xfrm>
-            <a:off x="7315396" y="4714485"/>
+            <a:off x="3995936" y="6060813"/>
             <a:ext cx="1432270" cy="276999"/>
           </a:xfrm>
           <a:prstGeom prst="rect">
@@ -6577,7 +6695,7 @@
                 <a:latin typeface="Arial" panose="020B0604020202020204" pitchFamily="34" charset="0"/>
                 <a:cs typeface="Arial" panose="020B0604020202020204" pitchFamily="34" charset="0"/>
               </a:rPr>
-              <a:t>= 0.0101</a:t>
+              <a:t>= 0.0204</a:t>
             </a:r>
           </a:p>
         </p:txBody>
@@ -6618,7 +6736,7 @@
                   </a:schemeClr>
                 </a:solidFill>
               </a:rPr>
-              <a:t>(1) Both Mann-Whitney U-test and Welch’s T-test (divided by two) arrive at a p-value ~0.0101.</a:t>
+              <a:t>(1) Welch’s T-test</a:t>
             </a:r>
           </a:p>
         </p:txBody>
@@ -6676,6 +6794,103 @@
           </a:p>
         </p:txBody>
       </p:sp>
+      <p:sp>
+        <p:nvSpPr>
+          <p:cNvPr id="14" name="Oval 13">
+            <a:extLst>
+              <a:ext uri="{FF2B5EF4-FFF2-40B4-BE49-F238E27FC236}">
+                <a16:creationId xmlns:a16="http://schemas.microsoft.com/office/drawing/2014/main" id="{24FD3DF9-63C6-43FB-ACB1-FD31AB30B8A6}"/>
+              </a:ext>
+            </a:extLst>
+          </p:cNvPr>
+          <p:cNvSpPr/>
+          <p:nvPr/>
+        </p:nvSpPr>
+        <p:spPr>
+          <a:xfrm>
+            <a:off x="1890754" y="5159713"/>
+            <a:ext cx="720080" cy="688997"/>
+          </a:xfrm>
+          <a:prstGeom prst="ellipse">
+            <a:avLst/>
+          </a:prstGeom>
+          <a:noFill/>
+          <a:ln>
+            <a:solidFill>
+              <a:srgbClr val="FF0000"/>
+            </a:solidFill>
+          </a:ln>
+        </p:spPr>
+        <p:style>
+          <a:lnRef idx="2">
+            <a:schemeClr val="accent1">
+              <a:shade val="50000"/>
+            </a:schemeClr>
+          </a:lnRef>
+          <a:fillRef idx="1">
+            <a:schemeClr val="accent1"/>
+          </a:fillRef>
+          <a:effectRef idx="0">
+            <a:schemeClr val="accent1"/>
+          </a:effectRef>
+          <a:fontRef idx="minor">
+            <a:schemeClr val="lt1"/>
+          </a:fontRef>
+        </p:style>
+        <p:txBody>
+          <a:bodyPr rtlCol="0" anchor="ctr"/>
+          <a:lstStyle/>
+          <a:p>
+            <a:pPr algn="ctr"/>
+            <a:endParaRPr lang="en-US" dirty="0"/>
+          </a:p>
+        </p:txBody>
+      </p:sp>
+      <p:cxnSp>
+        <p:nvCxnSpPr>
+          <p:cNvPr id="18" name="Straight Arrow Connector 17">
+            <a:extLst>
+              <a:ext uri="{FF2B5EF4-FFF2-40B4-BE49-F238E27FC236}">
+                <a16:creationId xmlns:a16="http://schemas.microsoft.com/office/drawing/2014/main" id="{97CC7119-C6BA-4EAB-9641-8EED7FCFF1D6}"/>
+              </a:ext>
+            </a:extLst>
+          </p:cNvPr>
+          <p:cNvCxnSpPr>
+            <a:cxnSpLocks/>
+            <a:stCxn id="16" idx="1"/>
+          </p:cNvCxnSpPr>
+          <p:nvPr/>
+        </p:nvCxnSpPr>
+        <p:spPr>
+          <a:xfrm flipH="1" flipV="1">
+            <a:off x="2581642" y="5662085"/>
+            <a:ext cx="1414294" cy="537228"/>
+          </a:xfrm>
+          <a:prstGeom prst="straightConnector1">
+            <a:avLst/>
+          </a:prstGeom>
+          <a:ln w="38100">
+            <a:solidFill>
+              <a:schemeClr val="tx1"/>
+            </a:solidFill>
+            <a:tailEnd type="triangle"/>
+          </a:ln>
+        </p:spPr>
+        <p:style>
+          <a:lnRef idx="1">
+            <a:schemeClr val="accent6"/>
+          </a:lnRef>
+          <a:fillRef idx="0">
+            <a:schemeClr val="accent6"/>
+          </a:fillRef>
+          <a:effectRef idx="0">
+            <a:schemeClr val="accent6"/>
+          </a:effectRef>
+          <a:fontRef idx="minor">
+            <a:schemeClr val="tx1"/>
+          </a:fontRef>
+        </p:style>
+      </p:cxnSp>
     </p:spTree>
     <p:extLst>
       <p:ext uri="{BB962C8B-B14F-4D97-AF65-F5344CB8AC3E}">
